--- a/Git/Git.pptx
+++ b/Git/Git.pptx
@@ -13,10 +13,11 @@
     <p:sldId id="262" r:id="rId7"/>
     <p:sldId id="259" r:id="rId8"/>
     <p:sldId id="265" r:id="rId9"/>
-    <p:sldId id="267" r:id="rId10"/>
-    <p:sldId id="263" r:id="rId11"/>
-    <p:sldId id="264" r:id="rId12"/>
-    <p:sldId id="266" r:id="rId13"/>
+    <p:sldId id="268" r:id="rId10"/>
+    <p:sldId id="267" r:id="rId11"/>
+    <p:sldId id="263" r:id="rId12"/>
+    <p:sldId id="264" r:id="rId13"/>
+    <p:sldId id="266" r:id="rId14"/>
   </p:sldIdLst>
   <p:sldSz cx="9144000" cy="6858000" type="screen4x3"/>
   <p:notesSz cx="6858000" cy="9144000"/>
@@ -3178,7 +3179,13 @@
       </p:grpSpPr>
       <p:sp>
         <p:nvSpPr>
-          <p:cNvPr id="2" name="제목 1"/>
+          <p:cNvPr id="2" name="제목 1">
+            <a:extLst>
+              <a:ext uri="{FF2B5EF4-FFF2-40B4-BE49-F238E27FC236}">
+                <a16:creationId xmlns:a16="http://schemas.microsoft.com/office/drawing/2014/main" id="{0E82E3A9-60BA-46C8-BAC6-7C4FBDB4C455}"/>
+              </a:ext>
+            </a:extLst>
+          </p:cNvPr>
           <p:cNvSpPr>
             <a:spLocks noGrp="1"/>
           </p:cNvSpPr>
@@ -3193,7 +3200,7 @@
           <a:p>
             <a:r>
               <a:rPr lang="en-US" altLang="ko-KR" dirty="0"/>
-              <a:t>clone</a:t>
+              <a:t>Git Flow</a:t>
             </a:r>
             <a:endParaRPr lang="ko-KR" altLang="en-US" dirty="0"/>
           </a:p>
@@ -3201,7 +3208,13 @@
       </p:sp>
       <p:sp>
         <p:nvSpPr>
-          <p:cNvPr id="3" name="내용 개체 틀 2"/>
+          <p:cNvPr id="3" name="내용 개체 틀 2">
+            <a:extLst>
+              <a:ext uri="{FF2B5EF4-FFF2-40B4-BE49-F238E27FC236}">
+                <a16:creationId xmlns:a16="http://schemas.microsoft.com/office/drawing/2014/main" id="{96A8EB4E-6775-4607-B221-5B97D7553726}"/>
+              </a:ext>
+            </a:extLst>
+          </p:cNvPr>
           <p:cNvSpPr>
             <a:spLocks noGrp="1"/>
           </p:cNvSpPr>
@@ -3209,34 +3222,44 @@
             <p:ph idx="1"/>
           </p:nvPr>
         </p:nvSpPr>
-        <p:spPr/>
-        <p:txBody>
-          <a:bodyPr/>
-          <a:lstStyle/>
-          <a:p>
-            <a:r>
-              <a:rPr lang="en-US" altLang="ko-KR" dirty="0"/>
-              <a:t>Remote Repository</a:t>
-            </a:r>
-            <a:r>
-              <a:rPr lang="ko-KR" altLang="en-US" dirty="0"/>
-              <a:t>에 있는 파일을 </a:t>
-            </a:r>
-            <a:r>
-              <a:rPr lang="en-US" altLang="ko-KR" dirty="0"/>
-              <a:t>Local Repository</a:t>
-            </a:r>
-            <a:r>
-              <a:rPr lang="ko-KR" altLang="en-US" dirty="0"/>
-              <a:t>로 복사 시키는 명령어</a:t>
-            </a:r>
+        <p:spPr>
+          <a:xfrm>
+            <a:off x="457200" y="1600200"/>
+            <a:ext cx="8229600" cy="4525963"/>
+          </a:xfrm>
+        </p:spPr>
+        <p:txBody>
+          <a:bodyPr>
+            <a:normAutofit/>
+          </a:bodyPr>
+          <a:lstStyle/>
+          <a:p>
+            <a:r>
+              <a:rPr lang="en-US" altLang="ko-KR" sz="2000" dirty="0"/>
+              <a:t>Workspace ------commit-------&gt; Local Repository(.git </a:t>
+            </a:r>
+            <a:r>
+              <a:rPr lang="ko-KR" altLang="en-US" sz="2000" dirty="0"/>
+              <a:t>폴더</a:t>
+            </a:r>
+            <a:r>
+              <a:rPr lang="en-US" altLang="ko-KR" sz="2000" dirty="0"/>
+              <a:t>)</a:t>
+            </a:r>
+          </a:p>
+          <a:p>
+            <a:r>
+              <a:rPr lang="en-US" altLang="ko-KR" sz="2000" dirty="0"/>
+              <a:t>-------push--------&gt; Remote Repository(Gitlab)</a:t>
+            </a:r>
+            <a:endParaRPr lang="ko-KR" altLang="en-US" sz="2000" dirty="0"/>
           </a:p>
         </p:txBody>
       </p:sp>
     </p:spTree>
     <p:extLst>
       <p:ext uri="{BB962C8B-B14F-4D97-AF65-F5344CB8AC3E}">
-        <p14:creationId xmlns:p14="http://schemas.microsoft.com/office/powerpoint/2010/main" val="4150603310"/>
+        <p14:creationId xmlns:p14="http://schemas.microsoft.com/office/powerpoint/2010/main" val="3408000896"/>
       </p:ext>
     </p:extLst>
   </p:cSld>
@@ -3280,6 +3303,93 @@
           <a:p>
             <a:r>
               <a:rPr lang="en-US" altLang="ko-KR" dirty="0"/>
+              <a:t>clone</a:t>
+            </a:r>
+            <a:endParaRPr lang="ko-KR" altLang="en-US" dirty="0"/>
+          </a:p>
+        </p:txBody>
+      </p:sp>
+      <p:sp>
+        <p:nvSpPr>
+          <p:cNvPr id="3" name="내용 개체 틀 2"/>
+          <p:cNvSpPr>
+            <a:spLocks noGrp="1"/>
+          </p:cNvSpPr>
+          <p:nvPr>
+            <p:ph idx="1"/>
+          </p:nvPr>
+        </p:nvSpPr>
+        <p:spPr/>
+        <p:txBody>
+          <a:bodyPr/>
+          <a:lstStyle/>
+          <a:p>
+            <a:r>
+              <a:rPr lang="en-US" altLang="ko-KR" dirty="0"/>
+              <a:t>Remote Repository</a:t>
+            </a:r>
+            <a:r>
+              <a:rPr lang="ko-KR" altLang="en-US" dirty="0"/>
+              <a:t>에 있는 파일을 </a:t>
+            </a:r>
+            <a:r>
+              <a:rPr lang="en-US" altLang="ko-KR" dirty="0"/>
+              <a:t>Local Repository</a:t>
+            </a:r>
+            <a:r>
+              <a:rPr lang="ko-KR" altLang="en-US" dirty="0"/>
+              <a:t>로 복사 시키는 명령어</a:t>
+            </a:r>
+          </a:p>
+        </p:txBody>
+      </p:sp>
+    </p:spTree>
+    <p:extLst>
+      <p:ext uri="{BB962C8B-B14F-4D97-AF65-F5344CB8AC3E}">
+        <p14:creationId xmlns:p14="http://schemas.microsoft.com/office/powerpoint/2010/main" val="4150603310"/>
+      </p:ext>
+    </p:extLst>
+  </p:cSld>
+  <p:clrMapOvr>
+    <a:masterClrMapping/>
+  </p:clrMapOvr>
+</p:sld>
+</file>
+
+<file path=ppt/slides/slide12.xml><?xml version="1.0" encoding="utf-8"?>
+<p:sld xmlns:a="http://schemas.openxmlformats.org/drawingml/2006/main" xmlns:r="http://schemas.openxmlformats.org/officeDocument/2006/relationships" xmlns:p="http://schemas.openxmlformats.org/presentationml/2006/main">
+  <p:cSld>
+    <p:spTree>
+      <p:nvGrpSpPr>
+        <p:cNvPr id="1" name=""/>
+        <p:cNvGrpSpPr/>
+        <p:nvPr/>
+      </p:nvGrpSpPr>
+      <p:grpSpPr>
+        <a:xfrm>
+          <a:off x="0" y="0"/>
+          <a:ext cx="0" cy="0"/>
+          <a:chOff x="0" y="0"/>
+          <a:chExt cx="0" cy="0"/>
+        </a:xfrm>
+      </p:grpSpPr>
+      <p:sp>
+        <p:nvSpPr>
+          <p:cNvPr id="2" name="제목 1"/>
+          <p:cNvSpPr>
+            <a:spLocks noGrp="1"/>
+          </p:cNvSpPr>
+          <p:nvPr>
+            <p:ph type="title"/>
+          </p:nvPr>
+        </p:nvSpPr>
+        <p:spPr/>
+        <p:txBody>
+          <a:bodyPr/>
+          <a:lstStyle/>
+          <a:p>
+            <a:r>
+              <a:rPr lang="en-US" altLang="ko-KR" dirty="0"/>
               <a:t>commit</a:t>
             </a:r>
             <a:endParaRPr lang="ko-KR" altLang="en-US" dirty="0"/>
@@ -3386,7 +3496,7 @@
 </p:sld>
 </file>
 
-<file path=ppt/slides/slide12.xml><?xml version="1.0" encoding="utf-8"?>
+<file path=ppt/slides/slide13.xml><?xml version="1.0" encoding="utf-8"?>
 <p:sld xmlns:a="http://schemas.openxmlformats.org/drawingml/2006/main" xmlns:r="http://schemas.openxmlformats.org/officeDocument/2006/relationships" xmlns:p="http://schemas.openxmlformats.org/presentationml/2006/main">
   <p:cSld>
     <p:spTree>
@@ -3557,9 +3667,16 @@
             <p:ph idx="1"/>
           </p:nvPr>
         </p:nvSpPr>
-        <p:spPr/>
-        <p:txBody>
-          <a:bodyPr/>
+        <p:spPr>
+          <a:xfrm>
+            <a:off x="457200" y="1639341"/>
+            <a:ext cx="8229600" cy="4525963"/>
+          </a:xfrm>
+        </p:spPr>
+        <p:txBody>
+          <a:bodyPr>
+            <a:normAutofit fontScale="92500" lnSpcReduction="10000"/>
+          </a:bodyPr>
           <a:lstStyle/>
           <a:p>
             <a:r>
@@ -3581,6 +3698,14 @@
             <a:endParaRPr lang="en-US" altLang="ko-KR" sz="2000" dirty="0"/>
           </a:p>
           <a:p>
+            <a:pPr lvl="1"/>
+            <a:r>
+              <a:rPr lang="ko-KR" altLang="en-US" sz="1600" dirty="0"/>
+              <a:t>버전 관리를 좀 더 전문적으로 할 수 있다는 뜻</a:t>
+            </a:r>
+            <a:endParaRPr lang="en-US" altLang="ko-KR" sz="1600" dirty="0"/>
+          </a:p>
+          <a:p>
             <a:r>
               <a:rPr lang="en-US" altLang="ko-KR" sz="2000" dirty="0"/>
               <a:t>SVN</a:t>
@@ -3667,6 +3792,34 @@
             </a:r>
           </a:p>
           <a:p>
+            <a:pPr lvl="1"/>
+            <a:r>
+              <a:rPr lang="en-US" altLang="ko-KR" sz="1600" dirty="0"/>
+              <a:t>SI</a:t>
+            </a:r>
+            <a:r>
+              <a:rPr lang="ko-KR" altLang="en-US" sz="1600" dirty="0"/>
+              <a:t>에서는 </a:t>
+            </a:r>
+            <a:r>
+              <a:rPr lang="en-US" altLang="ko-KR" sz="1600" dirty="0"/>
+              <a:t>SVN</a:t>
+            </a:r>
+            <a:r>
+              <a:rPr lang="ko-KR" altLang="en-US" sz="1600" dirty="0"/>
+              <a:t>을 많이 사용하여 </a:t>
+            </a:r>
+            <a:r>
+              <a:rPr lang="en-US" altLang="ko-KR" sz="1600" dirty="0"/>
+              <a:t>Git</a:t>
+            </a:r>
+            <a:r>
+              <a:rPr lang="ko-KR" altLang="en-US" sz="1600" dirty="0"/>
+              <a:t>이 익숙하지 않음</a:t>
+            </a:r>
+            <a:endParaRPr lang="en-US" altLang="ko-KR" sz="1600" dirty="0"/>
+          </a:p>
+          <a:p>
             <a:r>
               <a:rPr lang="en-US" altLang="ko-KR" sz="2000" dirty="0" err="1"/>
               <a:t>Git</a:t>
@@ -3709,6 +3862,53 @@
             </a:r>
             <a:r>
               <a:rPr lang="en-US" altLang="ko-KR" sz="2000" dirty="0"/>
+              <a:t>.</a:t>
+            </a:r>
+          </a:p>
+          <a:p>
+            <a:pPr lvl="1"/>
+            <a:r>
+              <a:rPr lang="en-US" altLang="ko-KR" sz="1600" dirty="0"/>
+              <a:t>SVN</a:t>
+            </a:r>
+            <a:r>
+              <a:rPr lang="ko-KR" altLang="en-US" sz="1600" dirty="0"/>
+              <a:t>은 바로 </a:t>
+            </a:r>
+            <a:r>
+              <a:rPr lang="en-US" altLang="ko-KR" sz="1600" dirty="0"/>
+              <a:t>commit</a:t>
+            </a:r>
+            <a:r>
+              <a:rPr lang="ko-KR" altLang="en-US" sz="1600" dirty="0"/>
+              <a:t>을 하면 바로 원격 저장소로 저장</a:t>
+            </a:r>
+            <a:r>
+              <a:rPr lang="en-US" altLang="ko-KR" sz="1600" dirty="0"/>
+              <a:t>, Git</a:t>
+            </a:r>
+            <a:r>
+              <a:rPr lang="ko-KR" altLang="en-US" sz="1600" dirty="0"/>
+              <a:t>은 </a:t>
+            </a:r>
+            <a:r>
+              <a:rPr lang="en-US" altLang="ko-KR" sz="1600" dirty="0"/>
+              <a:t>commit </a:t>
+            </a:r>
+            <a:r>
+              <a:rPr lang="ko-KR" altLang="en-US" sz="1600" dirty="0"/>
+              <a:t>하여 개인 저장소로 저장 후 </a:t>
+            </a:r>
+            <a:r>
+              <a:rPr lang="en-US" altLang="ko-KR" sz="1600" dirty="0"/>
+              <a:t>push</a:t>
+            </a:r>
+            <a:r>
+              <a:rPr lang="ko-KR" altLang="en-US" sz="1600" dirty="0"/>
+              <a:t>를 하여 원격 저장소로 저장한다</a:t>
+            </a:r>
+            <a:r>
+              <a:rPr lang="en-US" altLang="ko-KR" sz="1600" dirty="0"/>
               <a:t>.</a:t>
             </a:r>
           </a:p>
@@ -3821,7 +4021,7 @@
         <p:spPr/>
         <p:txBody>
           <a:bodyPr>
-            <a:normAutofit fontScale="85000" lnSpcReduction="20000"/>
+            <a:normAutofit fontScale="77500" lnSpcReduction="20000"/>
           </a:bodyPr>
           <a:lstStyle/>
           <a:p>
@@ -3833,13 +4033,91 @@
               <a:rPr lang="ko-KR" altLang="en-US" sz="2000" dirty="0"/>
               <a:t>은 중앙 서버가 날라갈 경우 모든 </a:t>
             </a:r>
+            <a:r>
+              <a:rPr lang="en-US" altLang="ko-KR" sz="2000" dirty="0"/>
+              <a:t>History</a:t>
+            </a:r>
+            <a:r>
+              <a:rPr lang="ko-KR" altLang="en-US" sz="2000" dirty="0"/>
+              <a:t>가 날라갈 수 있는 반면 </a:t>
+            </a:r>
+            <a:r>
+              <a:rPr lang="en-US" altLang="ko-KR" sz="2000" dirty="0" err="1"/>
+              <a:t>Git</a:t>
+            </a:r>
+            <a:r>
+              <a:rPr lang="ko-KR" altLang="en-US" sz="2000" dirty="0"/>
+              <a:t>은 최신 </a:t>
+            </a:r>
+            <a:r>
+              <a:rPr lang="en-US" altLang="ko-KR" sz="2000" dirty="0"/>
+              <a:t>History</a:t>
+            </a:r>
+            <a:r>
+              <a:rPr lang="ko-KR" altLang="en-US" sz="2000" dirty="0"/>
+              <a:t>를 가진 사람이 프로젝트 생성 후 </a:t>
+            </a:r>
+            <a:r>
+              <a:rPr lang="en-US" altLang="ko-KR" sz="2000" dirty="0"/>
+              <a:t>push </a:t>
+            </a:r>
+            <a:r>
+              <a:rPr lang="ko-KR" altLang="en-US" sz="2000" dirty="0"/>
+              <a:t>할 경우 </a:t>
+            </a:r>
+            <a:r>
+              <a:rPr lang="en-US" altLang="ko-KR" sz="2000" dirty="0"/>
+              <a:t>History</a:t>
+            </a:r>
+            <a:r>
+              <a:rPr lang="ko-KR" altLang="en-US" sz="2000" dirty="0"/>
+              <a:t>가 복구가 가능하다</a:t>
+            </a:r>
+            <a:r>
+              <a:rPr lang="en-US" altLang="ko-KR" sz="2000" dirty="0"/>
+              <a:t>.</a:t>
+            </a:r>
+          </a:p>
+          <a:p>
+            <a:pPr lvl="1"/>
+            <a:r>
+              <a:rPr lang="en-US" altLang="ko-KR" sz="1600" dirty="0"/>
+              <a:t>SVN : History </a:t>
+            </a:r>
+            <a:r>
+              <a:rPr lang="ko-KR" altLang="en-US" sz="1600" dirty="0"/>
+              <a:t>복구 불가</a:t>
+            </a:r>
+            <a:endParaRPr lang="en-US" altLang="ko-KR" sz="1600" dirty="0"/>
+          </a:p>
+          <a:p>
+            <a:pPr lvl="1"/>
+            <a:r>
+              <a:rPr lang="en-US" altLang="ko-KR" sz="1600" dirty="0"/>
+              <a:t>Git : History </a:t>
+            </a:r>
+            <a:r>
+              <a:rPr lang="ko-KR" altLang="en-US" sz="1600" dirty="0"/>
+              <a:t>복구 가능</a:t>
+            </a:r>
+            <a:endParaRPr lang="en-US" altLang="ko-KR" sz="1600" dirty="0"/>
+          </a:p>
+          <a:p>
             <a:r>
               <a:rPr lang="ko-KR" altLang="en-US" sz="2000" dirty="0" err="1"/>
               <a:t>커밋</a:t>
             </a:r>
             <a:r>
               <a:rPr lang="ko-KR" altLang="en-US" sz="2000" dirty="0"/>
-              <a:t> 이력이 날라갈 수 있는 반면 </a:t>
+              <a:t> 내역이 많아질 경우 </a:t>
+            </a:r>
+            <a:r>
+              <a:rPr lang="en-US" altLang="ko-KR" sz="2000" dirty="0"/>
+              <a:t>SVN</a:t>
+            </a:r>
+            <a:r>
+              <a:rPr lang="ko-KR" altLang="en-US" sz="2000" dirty="0"/>
+              <a:t>보다 </a:t>
             </a:r>
             <a:r>
               <a:rPr lang="en-US" altLang="ko-KR" sz="2000" dirty="0" err="1"/>
@@ -3847,31 +4125,15 @@
             </a:r>
             <a:r>
               <a:rPr lang="ko-KR" altLang="en-US" sz="2000" dirty="0"/>
-              <a:t>은 최신 </a:t>
-            </a:r>
-            <a:r>
-              <a:rPr lang="ko-KR" altLang="en-US" sz="2000" dirty="0" err="1"/>
-              <a:t>커밋을</a:t>
-            </a:r>
-            <a:r>
-              <a:rPr lang="ko-KR" altLang="en-US" sz="2000" dirty="0"/>
-              <a:t> 가진 사람이 프로젝트 생성 후 </a:t>
-            </a:r>
-            <a:r>
-              <a:rPr lang="en-US" altLang="ko-KR" sz="2000" dirty="0"/>
-              <a:t>push </a:t>
-            </a:r>
-            <a:r>
-              <a:rPr lang="ko-KR" altLang="en-US" sz="2000" dirty="0"/>
-              <a:t>할 경우 </a:t>
-            </a:r>
-            <a:r>
-              <a:rPr lang="ko-KR" altLang="en-US" sz="2000" dirty="0" err="1"/>
-              <a:t>커밋이력이</a:t>
-            </a:r>
-            <a:r>
-              <a:rPr lang="ko-KR" altLang="en-US" sz="2000" dirty="0"/>
-              <a:t> 복구가 가능하다</a:t>
+              <a:t>이 속도가 훨씬</a:t>
+            </a:r>
+            <a:r>
+              <a:rPr lang="en-US" altLang="ko-KR" sz="2000" dirty="0"/>
+              <a:t> </a:t>
+            </a:r>
+            <a:r>
+              <a:rPr lang="ko-KR" altLang="en-US" sz="2000" dirty="0"/>
+              <a:t>빠르다</a:t>
             </a:r>
             <a:r>
               <a:rPr lang="en-US" altLang="ko-KR" sz="2000" dirty="0"/>
@@ -3879,21 +4141,40 @@
             </a:r>
           </a:p>
           <a:p>
-            <a:r>
-              <a:rPr lang="ko-KR" altLang="en-US" sz="2000" dirty="0" err="1"/>
-              <a:t>커밋내역이</a:t>
-            </a:r>
-            <a:r>
-              <a:rPr lang="ko-KR" altLang="en-US" sz="2000" dirty="0"/>
-              <a:t> 많아질 경우 </a:t>
-            </a:r>
+            <a:pPr lvl="1"/>
+            <a:r>
+              <a:rPr lang="ko-KR" altLang="en-US" sz="1600" dirty="0"/>
+              <a:t>속도 </a:t>
+            </a:r>
+            <a:r>
+              <a:rPr lang="en-US" altLang="ko-KR" sz="1600" dirty="0"/>
+              <a:t>: Git &gt; SVN</a:t>
+            </a:r>
+          </a:p>
+          <a:p>
             <a:r>
               <a:rPr lang="en-US" altLang="ko-KR" sz="2000" dirty="0"/>
               <a:t>SVN</a:t>
             </a:r>
             <a:r>
               <a:rPr lang="ko-KR" altLang="en-US" sz="2000" dirty="0"/>
-              <a:t>보다 </a:t>
+              <a:t>은 </a:t>
+            </a:r>
+            <a:r>
+              <a:rPr lang="en-US" altLang="ko-KR" sz="2000" dirty="0"/>
+              <a:t>Commit 1</a:t>
+            </a:r>
+            <a:r>
+              <a:rPr lang="ko-KR" altLang="en-US" sz="2000" dirty="0"/>
+              <a:t>단계</a:t>
+            </a:r>
+            <a:r>
+              <a:rPr lang="en-US" altLang="ko-KR" sz="2000" dirty="0"/>
+              <a:t>, </a:t>
+            </a:r>
+            <a:r>
+              <a:rPr lang="ko-KR" altLang="en-US" sz="2000" dirty="0"/>
+              <a:t>그러나 </a:t>
             </a:r>
             <a:r>
               <a:rPr lang="en-US" altLang="ko-KR" sz="2000" dirty="0" err="1"/>
@@ -3901,15 +4182,23 @@
             </a:r>
             <a:r>
               <a:rPr lang="ko-KR" altLang="en-US" sz="2000" dirty="0"/>
-              <a:t>이 속도가 훨씬</a:t>
-            </a:r>
-            <a:r>
-              <a:rPr lang="en-US" altLang="ko-KR" sz="2000" dirty="0"/>
-              <a:t> </a:t>
-            </a:r>
-            <a:r>
-              <a:rPr lang="ko-KR" altLang="en-US" sz="2000" dirty="0"/>
-              <a:t>빠르다</a:t>
+              <a:t>은 </a:t>
+            </a:r>
+            <a:r>
+              <a:rPr lang="en-US" altLang="ko-KR" sz="2000" dirty="0"/>
+              <a:t>Commit(Remote Repository)  </a:t>
+            </a:r>
+            <a:r>
+              <a:rPr lang="ko-KR" altLang="en-US" sz="2000" dirty="0"/>
+              <a:t>후 </a:t>
+            </a:r>
+            <a:r>
+              <a:rPr lang="en-US" altLang="ko-KR" sz="2000" dirty="0"/>
+              <a:t>Push </a:t>
+            </a:r>
+            <a:r>
+              <a:rPr lang="ko-KR" altLang="en-US" sz="2000" dirty="0"/>
+              <a:t>처리로 협업 시 충돌을 좀 더 관리하기 편하게 할 수 있다</a:t>
             </a:r>
             <a:r>
               <a:rPr lang="en-US" altLang="ko-KR" sz="2000" dirty="0"/>
@@ -3917,53 +4206,59 @@
             </a:r>
           </a:p>
           <a:p>
+            <a:pPr lvl="1"/>
+            <a:r>
+              <a:rPr lang="en-US" altLang="ko-KR" sz="1600" dirty="0"/>
+              <a:t>SVN : Workspace(offline) ---commit---&gt; Remote Repository(online)</a:t>
+            </a:r>
+          </a:p>
+          <a:p>
+            <a:pPr lvl="1"/>
+            <a:r>
+              <a:rPr lang="en-US" altLang="ko-KR" sz="1600" dirty="0"/>
+              <a:t>Git : Workspace(offline) –commit---&gt; Local Repository(offline) ---push---&gt; Remote </a:t>
+            </a:r>
+            <a:r>
+              <a:rPr lang="en-US" altLang="ko-KR" sz="1600" dirty="0" err="1"/>
+              <a:t>Reository</a:t>
+            </a:r>
+            <a:r>
+              <a:rPr lang="en-US" altLang="ko-KR" sz="1600" dirty="0"/>
+              <a:t>(online)</a:t>
+            </a:r>
+          </a:p>
+          <a:p>
             <a:r>
               <a:rPr lang="en-US" altLang="ko-KR" sz="2000" dirty="0"/>
               <a:t>SVN</a:t>
             </a:r>
             <a:r>
               <a:rPr lang="ko-KR" altLang="en-US" sz="2000" dirty="0"/>
-              <a:t>은 </a:t>
-            </a:r>
-            <a:r>
-              <a:rPr lang="en-US" altLang="ko-KR" sz="2000" dirty="0"/>
-              <a:t>Commit 1</a:t>
-            </a:r>
-            <a:r>
-              <a:rPr lang="ko-KR" altLang="en-US" sz="2000" dirty="0"/>
-              <a:t>단계</a:t>
-            </a:r>
-            <a:r>
-              <a:rPr lang="en-US" altLang="ko-KR" sz="2000" dirty="0"/>
-              <a:t>, </a:t>
-            </a:r>
-            <a:r>
-              <a:rPr lang="ko-KR" altLang="en-US" sz="2000" dirty="0"/>
-              <a:t>그러나 </a:t>
-            </a:r>
-            <a:r>
-              <a:rPr lang="en-US" altLang="ko-KR" sz="2000" dirty="0" err="1"/>
-              <a:t>Git</a:t>
-            </a:r>
-            <a:r>
-              <a:rPr lang="ko-KR" altLang="en-US" sz="2000" dirty="0"/>
-              <a:t>은 </a:t>
-            </a:r>
-            <a:r>
-              <a:rPr lang="en-US" altLang="ko-KR" sz="2000" dirty="0"/>
-              <a:t>Commit(Remote Repository)  </a:t>
-            </a:r>
-            <a:r>
-              <a:rPr lang="ko-KR" altLang="en-US" sz="2000" dirty="0"/>
-              <a:t>후 </a:t>
-            </a:r>
-            <a:r>
-              <a:rPr lang="en-US" altLang="ko-KR" sz="2000" dirty="0"/>
-              <a:t>Push </a:t>
-            </a:r>
-            <a:r>
-              <a:rPr lang="ko-KR" altLang="en-US" sz="2000" dirty="0"/>
-              <a:t>처리로 협업 시 충돌을 좀 더 관리하기 편하게 할 수 있다</a:t>
+              <a:t>은 저장소가 오직 원격 저장소 하나</a:t>
+            </a:r>
+            <a:r>
+              <a:rPr lang="en-US" altLang="ko-KR" sz="2000" dirty="0"/>
+              <a:t>, Git</a:t>
+            </a:r>
+            <a:r>
+              <a:rPr lang="ko-KR" altLang="en-US" sz="2000" dirty="0"/>
+              <a:t>은 원격 저장소의 데이터를 </a:t>
+            </a:r>
+            <a:r>
+              <a:rPr lang="en-US" altLang="ko-KR" sz="2000" dirty="0"/>
+              <a:t>clone</a:t>
+            </a:r>
+            <a:r>
+              <a:rPr lang="ko-KR" altLang="en-US" sz="2000" dirty="0"/>
+              <a:t> 하여 본인의 로컬 저장소에 가지고 올 수 있다</a:t>
+            </a:r>
+            <a:r>
+              <a:rPr lang="en-US" altLang="ko-KR" sz="2000" dirty="0"/>
+              <a:t>. </a:t>
+            </a:r>
+            <a:r>
+              <a:rPr lang="ko-KR" altLang="en-US" sz="2000" dirty="0"/>
+              <a:t>이는 원격 저장소에 문제가 생길 경우 언제든지 본인의 로컬 저장소의 데이터로 원격 저장소 복구 가능하다는 말이다</a:t>
             </a:r>
             <a:r>
               <a:rPr lang="en-US" altLang="ko-KR" sz="2000" dirty="0"/>
@@ -3971,127 +4266,46 @@
             </a:r>
           </a:p>
           <a:p>
-            <a:r>
-              <a:rPr lang="en-US" altLang="ko-KR" sz="2000" dirty="0"/>
-              <a:t>SVN</a:t>
-            </a:r>
-            <a:r>
-              <a:rPr lang="ko-KR" altLang="en-US" sz="2000" dirty="0"/>
-              <a:t>은 반드시 </a:t>
-            </a:r>
-            <a:r>
-              <a:rPr lang="ko-KR" altLang="en-US" sz="2000" dirty="0" err="1"/>
-              <a:t>리모트</a:t>
-            </a:r>
-            <a:r>
-              <a:rPr lang="ko-KR" altLang="en-US" sz="2000" dirty="0"/>
-              <a:t> 서버를 두어야 하지만</a:t>
-            </a:r>
-            <a:r>
-              <a:rPr lang="en-US" altLang="ko-KR" sz="2000" dirty="0"/>
-              <a:t>, </a:t>
-            </a:r>
-            <a:r>
-              <a:rPr lang="en-US" altLang="ko-KR" sz="2000" dirty="0" err="1"/>
-              <a:t>Git</a:t>
-            </a:r>
-            <a:r>
-              <a:rPr lang="ko-KR" altLang="en-US" sz="2000" dirty="0"/>
-              <a:t>은 로컬</a:t>
-            </a:r>
-            <a:r>
-              <a:rPr lang="en-US" altLang="ko-KR" sz="2000" dirty="0"/>
-              <a:t>, </a:t>
-            </a:r>
-            <a:r>
-              <a:rPr lang="ko-KR" altLang="en-US" sz="2000" dirty="0"/>
-              <a:t>클라이언트</a:t>
-            </a:r>
-            <a:r>
-              <a:rPr lang="en-US" altLang="ko-KR" sz="2000" dirty="0"/>
-              <a:t>, </a:t>
-            </a:r>
-            <a:r>
-              <a:rPr lang="ko-KR" altLang="en-US" sz="2000" dirty="0" err="1"/>
-              <a:t>리모트</a:t>
-            </a:r>
-            <a:r>
-              <a:rPr lang="ko-KR" altLang="en-US" sz="2000" dirty="0"/>
-              <a:t> 간의 종속성을 깨고 작업을 진행하는 로컬 자체가 서버가 될 수 있고 클라이언트가 될 수도 있으며 </a:t>
-            </a:r>
-            <a:r>
-              <a:rPr lang="ko-KR" altLang="en-US" sz="2000" dirty="0" err="1"/>
-              <a:t>브랜치와</a:t>
-            </a:r>
-            <a:r>
-              <a:rPr lang="ko-KR" altLang="en-US" sz="2000" dirty="0"/>
-              <a:t> 태그를 프로그래머 마음대로 로컬에서 </a:t>
-            </a:r>
-            <a:r>
-              <a:rPr lang="ko-KR" altLang="en-US" sz="2000" dirty="0" err="1"/>
-              <a:t>커밋과</a:t>
-            </a:r>
-            <a:r>
-              <a:rPr lang="ko-KR" altLang="en-US" sz="2000" dirty="0"/>
-              <a:t> 관리가 가능하다</a:t>
-            </a:r>
-            <a:r>
-              <a:rPr lang="en-US" altLang="ko-KR" sz="2000" dirty="0"/>
-              <a:t>.</a:t>
-            </a:r>
-          </a:p>
-          <a:p>
-            <a:r>
-              <a:rPr lang="en-US" altLang="ko-KR" sz="2000" dirty="0" err="1"/>
-              <a:t>Git</a:t>
-            </a:r>
-            <a:r>
-              <a:rPr lang="ko-KR" altLang="en-US" sz="2000" dirty="0"/>
-              <a:t>은 로컬도 서버가 될 수 있고 서버도 로컬이 될 수 있다</a:t>
-            </a:r>
-            <a:r>
-              <a:rPr lang="en-US" altLang="ko-KR" sz="2000" b="1" dirty="0"/>
-              <a:t>(</a:t>
-            </a:r>
-            <a:r>
-              <a:rPr lang="ko-KR" altLang="en-US" sz="2000" b="1" dirty="0" err="1"/>
-              <a:t>알아봐야함</a:t>
-            </a:r>
-            <a:r>
-              <a:rPr lang="en-US" altLang="ko-KR" sz="2000" b="1" dirty="0"/>
-              <a:t>)</a:t>
-            </a:r>
-          </a:p>
-          <a:p>
-            <a:r>
-              <a:rPr lang="en-US" altLang="ko-KR" sz="2000" dirty="0"/>
-              <a:t>SVN</a:t>
-            </a:r>
-            <a:r>
-              <a:rPr lang="ko-KR" altLang="en-US" sz="2000" dirty="0"/>
-              <a:t>은 저장소가 오직 원격 저장소 하나</a:t>
-            </a:r>
-            <a:r>
-              <a:rPr lang="en-US" altLang="ko-KR" sz="2000" dirty="0"/>
-              <a:t>, </a:t>
-            </a:r>
-            <a:r>
-              <a:rPr lang="en-US" altLang="ko-KR" sz="2000" dirty="0" err="1"/>
-              <a:t>Git</a:t>
-            </a:r>
-            <a:r>
-              <a:rPr lang="ko-KR" altLang="en-US" sz="2000" dirty="0"/>
-              <a:t>은 </a:t>
-            </a:r>
-            <a:r>
-              <a:rPr lang="en-US" altLang="ko-KR" sz="2000" dirty="0"/>
-              <a:t>clone</a:t>
-            </a:r>
-            <a:r>
-              <a:rPr lang="ko-KR" altLang="en-US" sz="2000" dirty="0"/>
-              <a:t>을 하여 본인의 로컬에 저장소를 가지고 와서 원격 저장소에 문제가 생길 경우 언제든지 본인의 로컬 저장소의 데이터로 원격 저장소 복구 가능</a:t>
-            </a:r>
-            <a:endParaRPr lang="en-US" altLang="ko-KR" sz="2000" dirty="0"/>
+            <a:pPr lvl="1"/>
+            <a:r>
+              <a:rPr lang="en-US" altLang="ko-KR" sz="1600" dirty="0"/>
+              <a:t>SVN : Workspace &lt;-&gt; Remote Repository </a:t>
+            </a:r>
+          </a:p>
+          <a:p>
+            <a:pPr lvl="2"/>
+            <a:r>
+              <a:rPr lang="ko-KR" altLang="en-US" sz="1200" dirty="0"/>
+              <a:t>중간 저장소가 없어서 한 곳에 문제가 생길 경우 복구가 </a:t>
+            </a:r>
+            <a:r>
+              <a:rPr lang="ko-KR" altLang="en-US" sz="1200" dirty="0" err="1"/>
+              <a:t>힘듬</a:t>
+            </a:r>
+            <a:endParaRPr lang="en-US" altLang="ko-KR" sz="1200" dirty="0"/>
+          </a:p>
+          <a:p>
+            <a:pPr lvl="1"/>
+            <a:r>
+              <a:rPr lang="en-US" altLang="ko-KR" sz="1600" dirty="0"/>
+              <a:t>Git : Workspace &lt;-&gt; Local Repository &lt;-&gt; Git Repository </a:t>
+            </a:r>
+          </a:p>
+          <a:p>
+            <a:pPr lvl="2"/>
+            <a:r>
+              <a:rPr lang="ko-KR" altLang="en-US" sz="1200" dirty="0"/>
+              <a:t>중간 저장소가 있어서 한 곳에 문제가 생겨도 </a:t>
+            </a:r>
+            <a:r>
+              <a:rPr lang="ko-KR" altLang="en-US" sz="1200" dirty="0" err="1"/>
+              <a:t>다른곳에서</a:t>
+            </a:r>
+            <a:r>
+              <a:rPr lang="ko-KR" altLang="en-US" sz="1200" dirty="0"/>
+              <a:t> 복구 가능</a:t>
+            </a:r>
+            <a:endParaRPr lang="en-US" altLang="ko-KR" sz="1200" dirty="0"/>
           </a:p>
           <a:p>
             <a:r>
@@ -4203,16 +4417,12 @@
           <a:lstStyle/>
           <a:p>
             <a:r>
-              <a:rPr lang="en-US" altLang="ko-KR" dirty="0" err="1"/>
-              <a:t>Git</a:t>
-            </a:r>
-            <a:r>
               <a:rPr lang="en-US" altLang="ko-KR" dirty="0"/>
-              <a:t> </a:t>
+              <a:t>Git </a:t>
             </a:r>
             <a:r>
               <a:rPr lang="ko-KR" altLang="en-US" dirty="0"/>
-              <a:t>저장소</a:t>
+              <a:t>원격 저장소</a:t>
             </a:r>
           </a:p>
         </p:txBody>
@@ -4525,7 +4735,7 @@
         <p:spPr/>
         <p:txBody>
           <a:bodyPr>
-            <a:normAutofit fontScale="90000"/>
+            <a:normAutofit/>
           </a:bodyPr>
           <a:lstStyle/>
           <a:p>
@@ -4545,19 +4755,6 @@
               <a:rPr lang="ko-KR" altLang="en-US" dirty="0"/>
               <a:t>의 차이점</a:t>
             </a:r>
-            <a:r>
-              <a:rPr lang="en-US" altLang="ko-KR" dirty="0"/>
-              <a:t>(</a:t>
-            </a:r>
-            <a:r>
-              <a:rPr lang="ko-KR" altLang="en-US" dirty="0"/>
-              <a:t>이유 알아보기</a:t>
-            </a:r>
-            <a:r>
-              <a:rPr lang="en-US" altLang="ko-KR" dirty="0"/>
-              <a:t>)</a:t>
-            </a:r>
-            <a:endParaRPr lang="ko-KR" altLang="en-US" dirty="0"/>
           </a:p>
         </p:txBody>
       </p:sp>
@@ -4750,7 +4947,10 @@
               <a:rPr lang="ko-KR" altLang="en-US" sz="1600" dirty="0"/>
               <a:t>만약 저장소가 날라갈 경우 백업 불가</a:t>
             </a:r>
-            <a:endParaRPr lang="en-US" altLang="ko-KR" sz="1600" dirty="0"/>
+            <a:r>
+              <a:rPr lang="en-US" altLang="ko-KR" sz="1600" dirty="0"/>
+              <a:t>)</a:t>
+            </a:r>
           </a:p>
           <a:p>
             <a:pPr lvl="1"/>
@@ -4766,27 +4966,12 @@
               <a:rPr lang="ko-KR" altLang="en-US" sz="1600" dirty="0"/>
               <a:t>본인의 로컬 저장소만 있으면 원격 저장소 백업이 언제든지 가능</a:t>
             </a:r>
-            <a:r>
-              <a:rPr lang="en-US" altLang="ko-KR" sz="1600" b="1" dirty="0"/>
-              <a:t>(</a:t>
-            </a:r>
-            <a:r>
-              <a:rPr lang="ko-KR" altLang="en-US" sz="1600" b="1" dirty="0"/>
-              <a:t>좀더 </a:t>
-            </a:r>
-            <a:r>
-              <a:rPr lang="ko-KR" altLang="en-US" sz="1600" b="1" dirty="0" err="1"/>
-              <a:t>알아봐야함</a:t>
-            </a:r>
-            <a:r>
-              <a:rPr lang="en-US" altLang="ko-KR" sz="1600" b="1" dirty="0"/>
-              <a:t>)</a:t>
-            </a:r>
-          </a:p>
-          <a:p>
-            <a:r>
-              <a:rPr lang="ko-KR" altLang="en-US" sz="2000" dirty="0"/>
-              <a:t>다수 작업 관리</a:t>
+            <a:endParaRPr lang="en-US" altLang="ko-KR" sz="1600" b="1" dirty="0"/>
+          </a:p>
+          <a:p>
+            <a:r>
+              <a:rPr lang="ko-KR" altLang="en-US" sz="2000" dirty="0"/>
+              <a:t>코드 분산 관리</a:t>
             </a:r>
             <a:endParaRPr lang="en-US" altLang="ko-KR" sz="2000" dirty="0"/>
           </a:p>
@@ -4798,7 +4983,7 @@
             </a:r>
             <a:r>
               <a:rPr lang="ko-KR" altLang="en-US" sz="1600" dirty="0"/>
-              <a:t>관리에 한계가 존재</a:t>
+              <a:t>관리의 한계가 존재</a:t>
             </a:r>
             <a:endParaRPr lang="en-US" altLang="ko-KR" sz="1600" dirty="0"/>
           </a:p>
@@ -5034,15 +5219,15 @@
             <a:pPr lvl="1"/>
             <a:r>
               <a:rPr lang="ko-KR" altLang="en-US" sz="1600" dirty="0"/>
-              <a:t>원격 저장소에서 본인의 </a:t>
-            </a:r>
-            <a:r>
-              <a:rPr lang="en-US" altLang="ko-KR" sz="1600" dirty="0"/>
-              <a:t>PC </a:t>
-            </a:r>
-            <a:r>
-              <a:rPr lang="ko-KR" altLang="en-US" sz="1600" dirty="0"/>
-              <a:t>저장소로 소스를 가져옴</a:t>
+              <a:t>원격 저장소에서 </a:t>
+            </a:r>
+            <a:r>
+              <a:rPr lang="en-US" altLang="ko-KR" sz="1600" dirty="0"/>
+              <a:t>workspace</a:t>
+            </a:r>
+            <a:r>
+              <a:rPr lang="ko-KR" altLang="en-US" sz="1600" dirty="0"/>
+              <a:t>로 소스를 가져옴</a:t>
             </a:r>
             <a:endParaRPr lang="en-US" altLang="ko-KR" sz="1900" dirty="0"/>
           </a:p>
@@ -5096,15 +5281,27 @@
             </a:r>
             <a:r>
               <a:rPr lang="ko-KR" altLang="en-US" sz="1600" dirty="0"/>
-              <a:t>를 할 경우 </a:t>
+              <a:t>를 할 경우 히스토리에 가지가 여러 개 생성 되어 히스토리를 보는데 복잡해 보일 수 있으나 </a:t>
+            </a:r>
+            <a:r>
+              <a:rPr lang="en-US" altLang="ko-KR" sz="1600" dirty="0"/>
+              <a:t>rebase</a:t>
+            </a:r>
+            <a:r>
+              <a:rPr lang="ko-KR" altLang="en-US" sz="1600" dirty="0"/>
+              <a:t>의 경우 해당 가지들을 하나의 가지로 </a:t>
             </a:r>
             <a:r>
               <a:rPr lang="ko-KR" altLang="en-US" sz="1600" dirty="0" err="1"/>
-              <a:t>히스토리에</a:t>
-            </a:r>
-            <a:r>
-              <a:rPr lang="ko-KR" altLang="en-US" sz="1600" dirty="0"/>
-              <a:t> 가지가 여러 개 생성 되어 </a:t>
+              <a:t>재구축</a:t>
+            </a:r>
+            <a:r>
+              <a:rPr lang="en-US" altLang="ko-KR" sz="1600" dirty="0"/>
+              <a:t>(rebase)</a:t>
+            </a:r>
+            <a:r>
+              <a:rPr lang="ko-KR" altLang="en-US" sz="1600" dirty="0"/>
+              <a:t>하여 </a:t>
             </a:r>
             <a:r>
               <a:rPr lang="ko-KR" altLang="en-US" sz="1600" dirty="0" err="1"/>
@@ -5112,27 +5309,60 @@
             </a:r>
             <a:r>
               <a:rPr lang="ko-KR" altLang="en-US" sz="1600" dirty="0"/>
-              <a:t> 보는데 어려울 수 있으나 </a:t>
-            </a:r>
-            <a:r>
-              <a:rPr lang="en-US" altLang="ko-KR" sz="1600" dirty="0"/>
-              <a:t>rebase</a:t>
-            </a:r>
-            <a:r>
-              <a:rPr lang="ko-KR" altLang="en-US" sz="1600" dirty="0"/>
-              <a:t>의 경우 해당 가지들을 하나의 가지로 </a:t>
-            </a:r>
-            <a:r>
-              <a:rPr lang="ko-KR" altLang="en-US" sz="1600" dirty="0" err="1"/>
-              <a:t>재구축</a:t>
-            </a:r>
-            <a:r>
-              <a:rPr lang="en-US" altLang="ko-KR" sz="1600" dirty="0"/>
-              <a:t>(rebase)</a:t>
-            </a:r>
-            <a:r>
-              <a:rPr lang="ko-KR" altLang="en-US" sz="1600" dirty="0"/>
-              <a:t>하여 </a:t>
+              <a:t> 보는데 깔끔하게 볼 수 있게 한다</a:t>
+            </a:r>
+            <a:r>
+              <a:rPr lang="en-US" altLang="ko-KR" sz="1600" dirty="0"/>
+              <a:t>.</a:t>
+            </a:r>
+          </a:p>
+          <a:p>
+            <a:r>
+              <a:rPr lang="en-US" altLang="ko-KR" sz="2000" dirty="0"/>
+              <a:t>revert(</a:t>
+            </a:r>
+            <a:r>
+              <a:rPr lang="ko-KR" altLang="en-US" sz="2000" dirty="0"/>
+              <a:t>사용시 주의 필요 </a:t>
+            </a:r>
+            <a:r>
+              <a:rPr lang="en-US" altLang="ko-KR" sz="2000" dirty="0"/>
+              <a:t>: reset</a:t>
+            </a:r>
+            <a:r>
+              <a:rPr lang="ko-KR" altLang="en-US" sz="2000" dirty="0"/>
+              <a:t>과 구분 잘 </a:t>
+            </a:r>
+            <a:r>
+              <a:rPr lang="ko-KR" altLang="en-US" sz="2000" dirty="0" err="1"/>
+              <a:t>지어야함</a:t>
+            </a:r>
+            <a:r>
+              <a:rPr lang="en-US" altLang="ko-KR" sz="2000" dirty="0"/>
+              <a:t>)</a:t>
+            </a:r>
+          </a:p>
+          <a:p>
+            <a:pPr lvl="1"/>
+            <a:r>
+              <a:rPr lang="ko-KR" altLang="en-US" sz="1600" dirty="0"/>
+              <a:t>지정한 히스토리로 소스를 변경한 후 변경 내용을 토대로 </a:t>
+            </a:r>
+            <a:r>
+              <a:rPr lang="en-US" altLang="ko-KR" sz="1600" dirty="0"/>
+              <a:t>commit</a:t>
+            </a:r>
+            <a:r>
+              <a:rPr lang="ko-KR" altLang="en-US" sz="1600" dirty="0"/>
+              <a:t>함</a:t>
+            </a:r>
+            <a:r>
+              <a:rPr lang="en-US" altLang="ko-KR" sz="1600" dirty="0"/>
+              <a:t>(reset</a:t>
+            </a:r>
+            <a:r>
+              <a:rPr lang="ko-KR" altLang="en-US" sz="1600" dirty="0"/>
+              <a:t>과는 다르게 </a:t>
             </a:r>
             <a:r>
               <a:rPr lang="ko-KR" altLang="en-US" sz="1600" dirty="0" err="1"/>
@@ -5140,48 +5370,7 @@
             </a:r>
             <a:r>
               <a:rPr lang="ko-KR" altLang="en-US" sz="1600" dirty="0"/>
-              <a:t> 보는데 깔끔하게 볼 수 있게 한다</a:t>
-            </a:r>
-            <a:r>
-              <a:rPr lang="en-US" altLang="ko-KR" sz="1600" dirty="0"/>
-              <a:t>.</a:t>
-            </a:r>
-          </a:p>
-          <a:p>
-            <a:r>
-              <a:rPr lang="en-US" altLang="ko-KR" sz="2000" dirty="0"/>
-              <a:t>revert</a:t>
-            </a:r>
-          </a:p>
-          <a:p>
-            <a:pPr lvl="1"/>
-            <a:r>
-              <a:rPr lang="ko-KR" altLang="en-US" sz="1600" dirty="0"/>
-              <a:t>지정한 </a:t>
-            </a:r>
-            <a:r>
-              <a:rPr lang="ko-KR" altLang="en-US" sz="1600" dirty="0" err="1"/>
-              <a:t>히스토리로</a:t>
-            </a:r>
-            <a:r>
-              <a:rPr lang="ko-KR" altLang="en-US" sz="1600" dirty="0"/>
-              <a:t> 소스를 변경한 후 변경 내용을 토대로 </a:t>
-            </a:r>
-            <a:r>
-              <a:rPr lang="en-US" altLang="ko-KR" sz="1600" dirty="0"/>
-              <a:t>commit</a:t>
-            </a:r>
-            <a:r>
-              <a:rPr lang="ko-KR" altLang="en-US" sz="1600" dirty="0"/>
-              <a:t>함</a:t>
-            </a:r>
-            <a:r>
-              <a:rPr lang="en-US" altLang="ko-KR" sz="1600" dirty="0"/>
-              <a:t>(reset</a:t>
-            </a:r>
-            <a:r>
-              <a:rPr lang="ko-KR" altLang="en-US" sz="1600" dirty="0"/>
-              <a:t>과는 다르게 </a:t>
+              <a:t> 지우지 않고 새로운 </a:t>
             </a:r>
             <a:r>
               <a:rPr lang="ko-KR" altLang="en-US" sz="1600" dirty="0" err="1"/>
@@ -5189,14 +5378,6 @@
             </a:r>
             <a:r>
               <a:rPr lang="ko-KR" altLang="en-US" sz="1600" dirty="0"/>
-              <a:t> 지우지 않고 새로운 </a:t>
-            </a:r>
-            <a:r>
-              <a:rPr lang="ko-KR" altLang="en-US" sz="1600" dirty="0" err="1"/>
-              <a:t>히스토리를</a:t>
-            </a:r>
-            <a:r>
-              <a:rPr lang="ko-KR" altLang="en-US" sz="1600" dirty="0"/>
               <a:t> 생성 함</a:t>
             </a:r>
             <a:r>
@@ -5211,7 +5392,19 @@
             </a:r>
             <a:r>
               <a:rPr lang="ko-KR" altLang="en-US" sz="2000" dirty="0"/>
-              <a:t>사용시 주의 필요</a:t>
+              <a:t>사용시 주의 필요 </a:t>
+            </a:r>
+            <a:r>
+              <a:rPr lang="en-US" altLang="ko-KR" sz="2000" dirty="0"/>
+              <a:t>: revert</a:t>
+            </a:r>
+            <a:r>
+              <a:rPr lang="ko-KR" altLang="en-US" sz="2000" dirty="0"/>
+              <a:t>와 구분 잘 </a:t>
+            </a:r>
+            <a:r>
+              <a:rPr lang="ko-KR" altLang="en-US" sz="2000" dirty="0" err="1"/>
+              <a:t>지어야함</a:t>
             </a:r>
             <a:r>
               <a:rPr lang="en-US" altLang="ko-KR" sz="2000" dirty="0"/>
@@ -5315,8 +5508,13 @@
             </a:r>
             <a:r>
               <a:rPr lang="ko-KR" altLang="en-US" dirty="0"/>
-              <a:t>용어 정리</a:t>
-            </a:r>
+              <a:t>용어 정리 </a:t>
+            </a:r>
+            <a:r>
+              <a:rPr lang="en-US" altLang="ko-KR" dirty="0"/>
+              <a:t>- 1</a:t>
+            </a:r>
+            <a:endParaRPr lang="ko-KR" altLang="en-US" dirty="0"/>
           </a:p>
         </p:txBody>
       </p:sp>
@@ -5333,7 +5531,7 @@
         <p:spPr/>
         <p:txBody>
           <a:bodyPr>
-            <a:normAutofit fontScale="62500" lnSpcReduction="20000"/>
+            <a:normAutofit fontScale="92500" lnSpcReduction="20000"/>
           </a:bodyPr>
           <a:lstStyle/>
           <a:p>
@@ -5510,8 +5708,23 @@
             </a:r>
             <a:r>
               <a:rPr lang="en-US" altLang="ko-KR" sz="800" dirty="0"/>
-              <a:t>.’</a:t>
-            </a:r>
+              <a:t>.</a:t>
+            </a:r>
+            <a:endParaRPr lang="en-US" altLang="ko-KR" sz="2000" dirty="0"/>
+          </a:p>
+          <a:p>
+            <a:r>
+              <a:rPr lang="en-US" altLang="ko-KR" sz="2000" dirty="0"/>
+              <a:t>Workspace</a:t>
+            </a:r>
+          </a:p>
+          <a:p>
+            <a:pPr lvl="1"/>
+            <a:r>
+              <a:rPr lang="ko-KR" altLang="en-US" sz="1600" dirty="0"/>
+              <a:t>내 작업 공간</a:t>
+            </a:r>
+            <a:endParaRPr lang="en-US" altLang="ko-KR" sz="1600" dirty="0"/>
           </a:p>
           <a:p>
             <a:r>
@@ -5611,202 +5824,6 @@
               <a:rPr lang="en-US" altLang="ko-KR" sz="1600" dirty="0"/>
               <a:t>.</a:t>
             </a:r>
-          </a:p>
-          <a:p>
-            <a:r>
-              <a:rPr lang="en-US" altLang="ko-KR" sz="2000" dirty="0"/>
-              <a:t>Checkout</a:t>
-            </a:r>
-          </a:p>
-          <a:p>
-            <a:pPr lvl="1"/>
-            <a:r>
-              <a:rPr lang="ko-KR" altLang="en-US" sz="1600" dirty="0"/>
-              <a:t>이전 버전 작업을 불러오는 것</a:t>
-            </a:r>
-            <a:endParaRPr lang="en-US" altLang="ko-KR" sz="1600" dirty="0"/>
-          </a:p>
-          <a:p>
-            <a:r>
-              <a:rPr lang="en-US" altLang="ko-KR" sz="2000" dirty="0"/>
-              <a:t>Staging Area</a:t>
-            </a:r>
-          </a:p>
-          <a:p>
-            <a:pPr lvl="1"/>
-            <a:r>
-              <a:rPr lang="ko-KR" altLang="en-US" sz="1600" dirty="0"/>
-              <a:t>로컬</a:t>
-            </a:r>
-            <a:r>
-              <a:rPr lang="en-US" altLang="ko-KR" sz="1600" dirty="0"/>
-              <a:t> </a:t>
-            </a:r>
-            <a:r>
-              <a:rPr lang="ko-KR" altLang="en-US" sz="1600" dirty="0"/>
-              <a:t>저장소에 </a:t>
-            </a:r>
-            <a:r>
-              <a:rPr lang="en-US" altLang="ko-KR" sz="1600" dirty="0"/>
-              <a:t>commit</a:t>
-            </a:r>
-            <a:r>
-              <a:rPr lang="ko-KR" altLang="en-US" sz="1600" dirty="0"/>
-              <a:t> 하기 전 </a:t>
-            </a:r>
-            <a:r>
-              <a:rPr lang="en-US" altLang="ko-KR" sz="1600" dirty="0"/>
-              <a:t>commit</a:t>
-            </a:r>
-            <a:r>
-              <a:rPr lang="ko-KR" altLang="en-US" sz="1600" dirty="0"/>
-              <a:t>을 준비하는 위치</a:t>
-            </a:r>
-            <a:r>
-              <a:rPr lang="en-US" altLang="ko-KR" sz="1600" dirty="0"/>
-              <a:t>(</a:t>
-            </a:r>
-            <a:r>
-              <a:rPr lang="ko-KR" altLang="en-US" sz="1600" dirty="0"/>
-              <a:t>원격 저장소는 </a:t>
-            </a:r>
-            <a:r>
-              <a:rPr lang="en-US" altLang="ko-KR" sz="1600" dirty="0"/>
-              <a:t>commit </a:t>
-            </a:r>
-            <a:r>
-              <a:rPr lang="ko-KR" altLang="en-US" sz="1600" dirty="0"/>
-              <a:t>후 </a:t>
-            </a:r>
-            <a:r>
-              <a:rPr lang="en-US" altLang="ko-KR" sz="1600" dirty="0"/>
-              <a:t>push</a:t>
-            </a:r>
-            <a:r>
-              <a:rPr lang="ko-KR" altLang="en-US" sz="1600" dirty="0"/>
-              <a:t>를 </a:t>
-            </a:r>
-            <a:r>
-              <a:rPr lang="ko-KR" altLang="en-US" sz="1600" dirty="0" err="1"/>
-              <a:t>해야한다</a:t>
-            </a:r>
-            <a:r>
-              <a:rPr lang="en-US" altLang="ko-KR" sz="1600" dirty="0"/>
-              <a:t>)</a:t>
-            </a:r>
-          </a:p>
-          <a:p>
-            <a:pPr lvl="1"/>
-            <a:r>
-              <a:rPr lang="en-US" altLang="ko-KR" sz="1600" dirty="0" err="1"/>
-              <a:t>Unstaged</a:t>
-            </a:r>
-            <a:r>
-              <a:rPr lang="ko-KR" altLang="en-US" sz="1600" dirty="0"/>
-              <a:t>와 </a:t>
-            </a:r>
-            <a:r>
-              <a:rPr lang="en-US" altLang="ko-KR" sz="1600" dirty="0"/>
-              <a:t>Staged</a:t>
-            </a:r>
-            <a:r>
-              <a:rPr lang="ko-KR" altLang="en-US" sz="1600" dirty="0"/>
-              <a:t>가 있는데 </a:t>
-            </a:r>
-            <a:r>
-              <a:rPr lang="en-US" altLang="ko-KR" sz="1600" dirty="0"/>
-              <a:t>Staged</a:t>
-            </a:r>
-            <a:r>
-              <a:rPr lang="ko-KR" altLang="en-US" sz="1600" dirty="0"/>
-              <a:t>에 있는 파일만 </a:t>
-            </a:r>
-            <a:r>
-              <a:rPr lang="en-US" altLang="ko-KR" sz="1600" dirty="0"/>
-              <a:t>commit</a:t>
-            </a:r>
-            <a:r>
-              <a:rPr lang="ko-KR" altLang="en-US" sz="1600" dirty="0"/>
-              <a:t>이 가능하다</a:t>
-            </a:r>
-            <a:r>
-              <a:rPr lang="en-US" altLang="ko-KR" sz="1600" dirty="0"/>
-              <a:t>.</a:t>
-            </a:r>
-          </a:p>
-          <a:p>
-            <a:r>
-              <a:rPr lang="en-US" altLang="ko-KR" sz="2000" dirty="0"/>
-              <a:t>Commit</a:t>
-            </a:r>
-          </a:p>
-          <a:p>
-            <a:pPr lvl="1"/>
-            <a:r>
-              <a:rPr lang="en-US" altLang="ko-KR" sz="1600" dirty="0"/>
-              <a:t>Staged(</a:t>
-            </a:r>
-            <a:r>
-              <a:rPr lang="ko-KR" altLang="en-US" sz="1600" dirty="0"/>
-              <a:t>변경된 파일</a:t>
-            </a:r>
-            <a:r>
-              <a:rPr lang="en-US" altLang="ko-KR" sz="1600" dirty="0"/>
-              <a:t>)</a:t>
-            </a:r>
-            <a:r>
-              <a:rPr lang="ko-KR" altLang="en-US" sz="1600" dirty="0"/>
-              <a:t>에 있는 파일들을 로컬 저장소에 저장하는 작업</a:t>
-            </a:r>
-            <a:endParaRPr lang="en-US" altLang="ko-KR" sz="1600" dirty="0"/>
-          </a:p>
-          <a:p>
-            <a:r>
-              <a:rPr lang="en-US" altLang="ko-KR" sz="2000" dirty="0"/>
-              <a:t>Head</a:t>
-            </a:r>
-          </a:p>
-          <a:p>
-            <a:pPr lvl="1"/>
-            <a:r>
-              <a:rPr lang="ko-KR" altLang="en-US" sz="1600" dirty="0"/>
-              <a:t>현재 작업중인 </a:t>
-            </a:r>
-            <a:r>
-              <a:rPr lang="en-US" altLang="ko-KR" sz="1600" dirty="0"/>
-              <a:t>Branch</a:t>
-            </a:r>
-            <a:r>
-              <a:rPr lang="ko-KR" altLang="en-US" sz="1600" dirty="0"/>
-              <a:t>를 가리킨다</a:t>
-            </a:r>
-            <a:r>
-              <a:rPr lang="en-US" altLang="ko-KR" sz="1600" dirty="0"/>
-              <a:t>(?)</a:t>
-            </a:r>
-          </a:p>
-          <a:p>
-            <a:pPr lvl="1"/>
-            <a:r>
-              <a:rPr lang="en-US" altLang="ko-KR" sz="1600" dirty="0"/>
-              <a:t>Commit</a:t>
-            </a:r>
-            <a:r>
-              <a:rPr lang="ko-KR" altLang="en-US" sz="1600" dirty="0"/>
-              <a:t>하면 해당 </a:t>
-            </a:r>
-            <a:r>
-              <a:rPr lang="en-US" altLang="ko-KR" sz="1600" dirty="0"/>
-              <a:t>Head</a:t>
-            </a:r>
-            <a:r>
-              <a:rPr lang="ko-KR" altLang="en-US" sz="1600" dirty="0"/>
-              <a:t>로 이동</a:t>
-            </a:r>
-            <a:endParaRPr lang="en-US" altLang="ko-KR" sz="1600" dirty="0"/>
-          </a:p>
-          <a:p>
-            <a:endParaRPr lang="en-US" altLang="ko-KR" sz="2000" dirty="0"/>
           </a:p>
         </p:txBody>
       </p:sp>
@@ -5845,7 +5862,7 @@
           <p:cNvPr id="2" name="제목 1">
             <a:extLst>
               <a:ext uri="{FF2B5EF4-FFF2-40B4-BE49-F238E27FC236}">
-                <a16:creationId xmlns:a16="http://schemas.microsoft.com/office/drawing/2014/main" id="{0E82E3A9-60BA-46C8-BAC6-7C4FBDB4C455}"/>
+                <a16:creationId xmlns:a16="http://schemas.microsoft.com/office/drawing/2014/main" id="{CEF0DD52-48F5-4075-8FFB-C003BFE9CB87}"/>
               </a:ext>
             </a:extLst>
           </p:cNvPr>
@@ -5863,7 +5880,15 @@
           <a:p>
             <a:r>
               <a:rPr lang="en-US" altLang="ko-KR" dirty="0"/>
-              <a:t>Git Flow</a:t>
+              <a:t>Git </a:t>
+            </a:r>
+            <a:r>
+              <a:rPr lang="ko-KR" altLang="en-US" dirty="0"/>
+              <a:t>용어 정리 </a:t>
+            </a:r>
+            <a:r>
+              <a:rPr lang="en-US" altLang="ko-KR" dirty="0"/>
+              <a:t>- 2</a:t>
             </a:r>
             <a:endParaRPr lang="ko-KR" altLang="en-US" dirty="0"/>
           </a:p>
@@ -5874,7 +5899,7 @@
           <p:cNvPr id="3" name="내용 개체 틀 2">
             <a:extLst>
               <a:ext uri="{FF2B5EF4-FFF2-40B4-BE49-F238E27FC236}">
-                <a16:creationId xmlns:a16="http://schemas.microsoft.com/office/drawing/2014/main" id="{96A8EB4E-6775-4607-B221-5B97D7553726}"/>
+                <a16:creationId xmlns:a16="http://schemas.microsoft.com/office/drawing/2014/main" id="{DA3FF1BE-FFBE-4ED7-9B04-99E7A86ED8E7}"/>
               </a:ext>
             </a:extLst>
           </p:cNvPr>
@@ -5885,12 +5910,7 @@
             <p:ph idx="1"/>
           </p:nvPr>
         </p:nvSpPr>
-        <p:spPr>
-          <a:xfrm>
-            <a:off x="457200" y="1600200"/>
-            <a:ext cx="8229600" cy="4525963"/>
-          </a:xfrm>
-        </p:spPr>
+        <p:spPr/>
         <p:txBody>
           <a:bodyPr>
             <a:normAutofit/>
@@ -5899,30 +5919,221 @@
           <a:p>
             <a:r>
               <a:rPr lang="en-US" altLang="ko-KR" sz="2000" dirty="0"/>
-              <a:t>Workspace ------commit-------&gt; Local Repository(.git </a:t>
-            </a:r>
-            <a:r>
-              <a:rPr lang="ko-KR" altLang="en-US" sz="2000" dirty="0"/>
-              <a:t>폴더</a:t>
-            </a:r>
-            <a:r>
-              <a:rPr lang="en-US" altLang="ko-KR" sz="2000" dirty="0"/>
+              <a:t>Checkout</a:t>
+            </a:r>
+          </a:p>
+          <a:p>
+            <a:pPr lvl="1"/>
+            <a:r>
+              <a:rPr lang="ko-KR" altLang="en-US" sz="1600" dirty="0"/>
+              <a:t>이전 버전 작업을 불러오는 것</a:t>
+            </a:r>
+            <a:endParaRPr lang="en-US" altLang="ko-KR" sz="1600" dirty="0"/>
+          </a:p>
+          <a:p>
+            <a:r>
+              <a:rPr lang="en-US" altLang="ko-KR" sz="2000" dirty="0"/>
+              <a:t>Staging Area</a:t>
+            </a:r>
+          </a:p>
+          <a:p>
+            <a:pPr lvl="1"/>
+            <a:r>
+              <a:rPr lang="ko-KR" altLang="en-US" sz="1600" dirty="0"/>
+              <a:t>로컬</a:t>
+            </a:r>
+            <a:r>
+              <a:rPr lang="en-US" altLang="ko-KR" sz="1600" dirty="0"/>
+              <a:t> </a:t>
+            </a:r>
+            <a:r>
+              <a:rPr lang="ko-KR" altLang="en-US" sz="1600" dirty="0"/>
+              <a:t>저장소에 </a:t>
+            </a:r>
+            <a:r>
+              <a:rPr lang="en-US" altLang="ko-KR" sz="1600" dirty="0"/>
+              <a:t>commit</a:t>
+            </a:r>
+            <a:r>
+              <a:rPr lang="ko-KR" altLang="en-US" sz="1600" dirty="0"/>
+              <a:t> 하기 전 </a:t>
+            </a:r>
+            <a:r>
+              <a:rPr lang="en-US" altLang="ko-KR" sz="1600" dirty="0"/>
+              <a:t>commit</a:t>
+            </a:r>
+            <a:r>
+              <a:rPr lang="ko-KR" altLang="en-US" sz="1600" dirty="0"/>
+              <a:t>을 준비하는 위치</a:t>
+            </a:r>
+            <a:r>
+              <a:rPr lang="en-US" altLang="ko-KR" sz="1600" dirty="0"/>
+              <a:t>(</a:t>
+            </a:r>
+            <a:r>
+              <a:rPr lang="ko-KR" altLang="en-US" sz="1600" dirty="0"/>
+              <a:t>원격 저장소는 </a:t>
+            </a:r>
+            <a:r>
+              <a:rPr lang="en-US" altLang="ko-KR" sz="1600" dirty="0"/>
+              <a:t>commit </a:t>
+            </a:r>
+            <a:r>
+              <a:rPr lang="ko-KR" altLang="en-US" sz="1600" dirty="0"/>
+              <a:t>후 </a:t>
+            </a:r>
+            <a:r>
+              <a:rPr lang="en-US" altLang="ko-KR" sz="1600" dirty="0"/>
+              <a:t>push</a:t>
+            </a:r>
+            <a:r>
+              <a:rPr lang="ko-KR" altLang="en-US" sz="1600" dirty="0"/>
+              <a:t>를 </a:t>
+            </a:r>
+            <a:r>
+              <a:rPr lang="ko-KR" altLang="en-US" sz="1600" dirty="0" err="1"/>
+              <a:t>해야한다</a:t>
+            </a:r>
+            <a:r>
+              <a:rPr lang="en-US" altLang="ko-KR" sz="1600" dirty="0"/>
               <a:t>)</a:t>
             </a:r>
           </a:p>
           <a:p>
-            <a:r>
-              <a:rPr lang="en-US" altLang="ko-KR" sz="2000" dirty="0"/>
-              <a:t>-------push--------&gt; Remote Repository(Gitlab)</a:t>
-            </a:r>
-            <a:endParaRPr lang="ko-KR" altLang="en-US" sz="2000" dirty="0"/>
+            <a:pPr lvl="1"/>
+            <a:r>
+              <a:rPr lang="en-US" altLang="ko-KR" sz="1600" dirty="0" err="1"/>
+              <a:t>Unstaged</a:t>
+            </a:r>
+            <a:r>
+              <a:rPr lang="ko-KR" altLang="en-US" sz="1600" dirty="0"/>
+              <a:t>와 </a:t>
+            </a:r>
+            <a:r>
+              <a:rPr lang="en-US" altLang="ko-KR" sz="1600" dirty="0"/>
+              <a:t>Staged</a:t>
+            </a:r>
+            <a:r>
+              <a:rPr lang="ko-KR" altLang="en-US" sz="1600" dirty="0"/>
+              <a:t>가 있는데 </a:t>
+            </a:r>
+            <a:r>
+              <a:rPr lang="en-US" altLang="ko-KR" sz="1600" dirty="0"/>
+              <a:t>Staged</a:t>
+            </a:r>
+            <a:r>
+              <a:rPr lang="ko-KR" altLang="en-US" sz="1600" dirty="0"/>
+              <a:t>에 있는 파일만 </a:t>
+            </a:r>
+            <a:r>
+              <a:rPr lang="en-US" altLang="ko-KR" sz="1600" dirty="0"/>
+              <a:t>commit</a:t>
+            </a:r>
+            <a:r>
+              <a:rPr lang="ko-KR" altLang="en-US" sz="1600" dirty="0"/>
+              <a:t>이 가능하다</a:t>
+            </a:r>
+            <a:r>
+              <a:rPr lang="en-US" altLang="ko-KR" sz="1600" dirty="0"/>
+              <a:t>.</a:t>
+            </a:r>
+          </a:p>
+          <a:p>
+            <a:r>
+              <a:rPr lang="en-US" altLang="ko-KR" sz="2000" dirty="0"/>
+              <a:t>Commit</a:t>
+            </a:r>
+          </a:p>
+          <a:p>
+            <a:pPr lvl="1"/>
+            <a:r>
+              <a:rPr lang="en-US" altLang="ko-KR" sz="1600" dirty="0"/>
+              <a:t>Staged(</a:t>
+            </a:r>
+            <a:r>
+              <a:rPr lang="ko-KR" altLang="en-US" sz="1600" dirty="0"/>
+              <a:t>변경된 파일</a:t>
+            </a:r>
+            <a:r>
+              <a:rPr lang="en-US" altLang="ko-KR" sz="1600" dirty="0"/>
+              <a:t>)</a:t>
+            </a:r>
+            <a:r>
+              <a:rPr lang="ko-KR" altLang="en-US" sz="1600" dirty="0"/>
+              <a:t>에 있는 파일들을 로컬 저장소에 저장하는 작업</a:t>
+            </a:r>
+            <a:endParaRPr lang="en-US" altLang="ko-KR" sz="1600" dirty="0"/>
+          </a:p>
+          <a:p>
+            <a:r>
+              <a:rPr lang="en-US" altLang="ko-KR" sz="2000" dirty="0"/>
+              <a:t>Head</a:t>
+            </a:r>
+          </a:p>
+          <a:p>
+            <a:pPr lvl="1"/>
+            <a:r>
+              <a:rPr lang="ko-KR" altLang="en-US" sz="1600" dirty="0"/>
+              <a:t>현재 작업중인 </a:t>
+            </a:r>
+            <a:r>
+              <a:rPr lang="en-US" altLang="ko-KR" sz="1600" dirty="0"/>
+              <a:t>Branch</a:t>
+            </a:r>
+            <a:r>
+              <a:rPr lang="ko-KR" altLang="en-US" sz="1600" dirty="0"/>
+              <a:t>를 가리킨다</a:t>
+            </a:r>
+            <a:r>
+              <a:rPr lang="en-US" altLang="ko-KR" sz="1600" dirty="0"/>
+              <a:t>(</a:t>
+            </a:r>
+            <a:r>
+              <a:rPr lang="ko-KR" altLang="en-US" sz="1600" dirty="0"/>
+              <a:t>파일 명 옆에 </a:t>
+            </a:r>
+            <a:r>
+              <a:rPr lang="ko-KR" altLang="en-US" sz="1600" dirty="0" err="1"/>
+              <a:t>써잇는</a:t>
+            </a:r>
+            <a:r>
+              <a:rPr lang="ko-KR" altLang="en-US" sz="1600" dirty="0"/>
+              <a:t> </a:t>
+            </a:r>
+            <a:r>
+              <a:rPr lang="en-US" altLang="ko-KR" sz="1600" dirty="0"/>
+              <a:t>Branch)</a:t>
+            </a:r>
+          </a:p>
+          <a:p>
+            <a:pPr lvl="1"/>
+            <a:r>
+              <a:rPr lang="en-US" altLang="ko-KR" sz="1600" dirty="0"/>
+              <a:t>Commit</a:t>
+            </a:r>
+            <a:r>
+              <a:rPr lang="ko-KR" altLang="en-US" sz="1600" dirty="0"/>
+              <a:t>하면 해당 </a:t>
+            </a:r>
+            <a:r>
+              <a:rPr lang="en-US" altLang="ko-KR" sz="1600" dirty="0"/>
+              <a:t>Head</a:t>
+            </a:r>
+            <a:r>
+              <a:rPr lang="ko-KR" altLang="en-US" sz="1600" dirty="0"/>
+              <a:t>로 이동</a:t>
+            </a:r>
+            <a:endParaRPr lang="en-US" altLang="ko-KR" sz="1600" dirty="0"/>
+          </a:p>
+          <a:p>
+            <a:endParaRPr lang="en-US" altLang="ko-KR" sz="2000" dirty="0"/>
           </a:p>
         </p:txBody>
       </p:sp>
     </p:spTree>
     <p:extLst>
       <p:ext uri="{BB962C8B-B14F-4D97-AF65-F5344CB8AC3E}">
-        <p14:creationId xmlns:p14="http://schemas.microsoft.com/office/powerpoint/2010/main" val="3408000896"/>
+        <p14:creationId xmlns:p14="http://schemas.microsoft.com/office/powerpoint/2010/main" val="2435669383"/>
       </p:ext>
     </p:extLst>
   </p:cSld>
